--- a/ppt/ch04_类与对象.pptx
+++ b/ppt/ch04_类与对象.pptx
@@ -63,6 +63,9 @@
   </p:sldIdLst>
   <p:sldSz cx="9144000" cy="6858000" type="screen4x3"/>
   <p:notesSz cx="6858000" cy="9144000"/>
+  <p:custDataLst>
+    <p:tags r:id="rId61"/>
+  </p:custDataLst>
   <p:defaultTextStyle>
     <a:defPPr>
       <a:defRPr lang="zh-CN"/>
@@ -158,6 +161,22 @@
       </a:defRPr>
     </a:lvl9pPr>
   </p:defaultTextStyle>
+  <p:extLst>
+    <p:ext uri="{EFAFB233-063F-42B5-8137-9DF3F51BA10A}">
+      <p15:sldGuideLst xmlns:p15="http://schemas.microsoft.com/office/powerpoint/2012/main">
+        <p15:guide id="1" orient="horz" pos="2160" userDrawn="1">
+          <p15:clr>
+            <a:srgbClr val="A4A3A4"/>
+          </p15:clr>
+        </p15:guide>
+        <p15:guide id="2" pos="2880" userDrawn="1">
+          <p15:clr>
+            <a:srgbClr val="A4A3A4"/>
+          </p15:clr>
+        </p15:guide>
+      </p15:sldGuideLst>
+    </p:ext>
+  </p:extLst>
 </p:presentation>
 </file>
 
@@ -15012,29 +15031,17 @@
               <a:t>在类中说明原型，可以直接在类中给出函数体，也可以在类外给出函数体实现，并在函数名前使用</a:t>
             </a:r>
             <a:r>
-              <a:rPr lang="zh-CN" altLang="en-US" dirty="0">
-                <a:solidFill>
-                  <a:srgbClr val="0000FF"/>
-                </a:solidFill>
-              </a:rPr>
-              <a:t>类名</a:t>
-            </a:r>
-            <a:r>
               <a:rPr lang="zh-CN" altLang="en-US" dirty="0"/>
-              <a:t>加以</a:t>
-            </a:r>
-            <a:r>
-              <a:rPr lang="zh-CN" altLang="en-US" dirty="0" smtClean="0"/>
-              <a:t>限定</a:t>
-            </a:r>
-            <a:endParaRPr lang="en-US" altLang="zh-CN" dirty="0" smtClean="0"/>
+              <a:t>类名加以限定</a:t>
+            </a:r>
+            <a:endParaRPr lang="zh-CN" altLang="en-US" dirty="0"/>
           </a:p>
           <a:p>
             <a:r>
               <a:rPr lang="zh-CN" altLang="en-US" dirty="0"/>
               <a:t>在成员函数中直接访问（使用）数据成员</a:t>
             </a:r>
-            <a:endParaRPr lang="en-US" altLang="zh-CN" dirty="0"/>
+            <a:endParaRPr lang="zh-CN" altLang="en-US" dirty="0"/>
           </a:p>
           <a:p>
             <a:r>
@@ -16223,16 +16230,8 @@
               <a:t>构造函数的作用是在对象被创建时使用特定的值构造对象，或者说将对象</a:t>
             </a:r>
             <a:r>
-              <a:rPr lang="zh-CN" altLang="en-US" dirty="0">
-                <a:solidFill>
-                  <a:srgbClr val="0000FF"/>
-                </a:solidFill>
-              </a:rPr>
-              <a:t>初始化</a:t>
-            </a:r>
-            <a:r>
               <a:rPr lang="zh-CN" altLang="en-US" dirty="0"/>
-              <a:t>为一个特定的状态。</a:t>
+              <a:t>初始化为一个特定的状态。</a:t>
             </a:r>
             <a:endParaRPr lang="zh-CN" altLang="en-US" dirty="0"/>
           </a:p>
@@ -16247,18 +16246,10 @@
               <a:t>在对象创建时由</a:t>
             </a:r>
             <a:r>
-              <a:rPr lang="zh-CN" altLang="en-US" dirty="0">
-                <a:solidFill>
-                  <a:srgbClr val="0000FF"/>
-                </a:solidFill>
-              </a:rPr>
-              <a:t>系统自动调用</a:t>
-            </a:r>
-            <a:r>
               <a:rPr lang="zh-CN" altLang="en-US" dirty="0"/>
-              <a:t>。</a:t>
-            </a:r>
-            <a:endParaRPr lang="en-US" altLang="zh-CN" dirty="0"/>
+              <a:t>系统自动调用。</a:t>
+            </a:r>
+            <a:endParaRPr lang="zh-CN" altLang="en-US" dirty="0"/>
           </a:p>
           <a:p>
             <a:pPr>
@@ -16271,22 +16262,10 @@
               <a:t>无参数的构造函数称为</a:t>
             </a:r>
             <a:r>
-              <a:rPr lang="zh-CN" altLang="en-US" dirty="0">
-                <a:solidFill>
-                  <a:srgbClr val="0000FF"/>
-                </a:solidFill>
-              </a:rPr>
-              <a:t>默认构造函数</a:t>
-            </a:r>
-            <a:r>
               <a:rPr lang="zh-CN" altLang="en-US" dirty="0"/>
-              <a:t>。</a:t>
-            </a:r>
-            <a:endParaRPr lang="zh-CN" altLang="en-US" dirty="0">
-              <a:solidFill>
-                <a:srgbClr val="0000FF"/>
-              </a:solidFill>
-            </a:endParaRPr>
+              <a:t>默认构造函数。</a:t>
+            </a:r>
+            <a:endParaRPr lang="zh-CN" altLang="en-US" dirty="0"/>
           </a:p>
           <a:p>
             <a:pPr>
@@ -16299,16 +16278,8 @@
               <a:t>如果程序中未声明，则系统自动产生出一个</a:t>
             </a:r>
             <a:r>
-              <a:rPr lang="zh-CN" altLang="en-US" dirty="0">
-                <a:solidFill>
-                  <a:srgbClr val="0000FF"/>
-                </a:solidFill>
-              </a:rPr>
-              <a:t>默认形式</a:t>
-            </a:r>
-            <a:r>
               <a:rPr lang="zh-CN" altLang="en-US" dirty="0"/>
-              <a:t>的构造函数</a:t>
+              <a:t>默认形式的构造函数</a:t>
             </a:r>
             <a:endParaRPr lang="zh-CN" altLang="en-US" dirty="0"/>
           </a:p>
@@ -16320,47 +16291,15 @@
             </a:pPr>
             <a:r>
               <a:rPr lang="zh-CN" altLang="en-US" dirty="0"/>
-              <a:t>允许为</a:t>
-            </a:r>
-            <a:r>
-              <a:rPr lang="zh-CN" altLang="en-US" dirty="0">
-                <a:solidFill>
-                  <a:srgbClr val="0000FF"/>
-                </a:solidFill>
-              </a:rPr>
-              <a:t>内联</a:t>
+              <a:t>允许为内联函数、重载函数、</a:t>
             </a:r>
             <a:r>
               <a:rPr lang="zh-CN" altLang="en-US" dirty="0"/>
-              <a:t>函数、</a:t>
-            </a:r>
-            <a:r>
-              <a:rPr lang="zh-CN" altLang="en-US" dirty="0">
-                <a:solidFill>
-                  <a:srgbClr val="0000FF"/>
-                </a:solidFill>
-              </a:rPr>
-              <a:t>重载</a:t>
-            </a:r>
-            <a:r>
-              <a:rPr lang="zh-CN" altLang="en-US" dirty="0"/>
-              <a:t>函数、</a:t>
-            </a:r>
-            <a:r>
-              <a:rPr lang="zh-CN" altLang="en-US" dirty="0">
-                <a:solidFill>
-                  <a:srgbClr val="0000FF"/>
-                </a:solidFill>
-              </a:rPr>
-              <a:t>带默认形参值</a:t>
-            </a:r>
-            <a:r>
-              <a:rPr lang="zh-CN" altLang="en-US" dirty="0"/>
-              <a:t>的</a:t>
+              <a:t>带默认形参值的函</a:t>
             </a:r>
             <a:r>
               <a:rPr lang="zh-CN" altLang="en-US" dirty="0" smtClean="0"/>
-              <a:t>函数</a:t>
+              <a:t>数</a:t>
             </a:r>
             <a:endParaRPr lang="zh-CN" altLang="en-US" dirty="0"/>
           </a:p>
@@ -16500,9 +16439,6 @@
             </a:r>
             <a:r>
               <a:rPr lang="zh-CN" altLang="en-US" dirty="0">
-                <a:solidFill>
-                  <a:srgbClr val="0000FF"/>
-                </a:solidFill>
                 <a:latin typeface="宋体" panose="02010600030101010101" pitchFamily="2" charset="-122"/>
                 <a:sym typeface="Arial" panose="020B0604020202020204" pitchFamily="34" charset="0"/>
               </a:rPr>
@@ -16510,17 +16446,11 @@
             </a:r>
             <a:r>
               <a:rPr lang="zh-CN" altLang="en-US" dirty="0">
-                <a:solidFill>
-                  <a:srgbClr val="0000FF"/>
-                </a:solidFill>
                 <a:latin typeface="宋体" panose="02010600030101010101" pitchFamily="2" charset="-122"/>
               </a:rPr>
               <a:t>构造函数</a:t>
             </a:r>
             <a:endParaRPr lang="zh-CN" altLang="en-US" dirty="0">
-              <a:solidFill>
-                <a:srgbClr val="0000FF"/>
-              </a:solidFill>
               <a:latin typeface="宋体" panose="02010600030101010101" pitchFamily="2" charset="-122"/>
             </a:endParaRPr>
           </a:p>
@@ -16533,17 +16463,11 @@
             </a:pPr>
             <a:r>
               <a:rPr lang="zh-CN" altLang="en-US" dirty="0">
-                <a:solidFill>
-                  <a:srgbClr val="0000FF"/>
-                </a:solidFill>
                 <a:latin typeface="宋体" panose="02010600030101010101" pitchFamily="2" charset="-122"/>
               </a:rPr>
               <a:t>	Clock(int NewH,int NewM,int NewS);//带参构造函数</a:t>
             </a:r>
             <a:endParaRPr lang="zh-CN" altLang="en-US" dirty="0">
-              <a:solidFill>
-                <a:srgbClr val="0000FF"/>
-              </a:solidFill>
               <a:latin typeface="宋体" panose="02010600030101010101" pitchFamily="2" charset="-122"/>
             </a:endParaRPr>
           </a:p>
@@ -16556,17 +16480,11 @@
             </a:pPr>
             <a:r>
               <a:rPr lang="zh-CN" altLang="en-US" dirty="0">
-                <a:solidFill>
-                  <a:srgbClr val="0000FF"/>
-                </a:solidFill>
                 <a:latin typeface="宋体" panose="02010600030101010101" pitchFamily="2" charset="-122"/>
               </a:rPr>
               <a:t>	Clock(int NewH=0,int NewM=0,int NewS=0);</a:t>
             </a:r>
             <a:endParaRPr lang="zh-CN" altLang="en-US" dirty="0">
-              <a:solidFill>
-                <a:srgbClr val="0000FF"/>
-              </a:solidFill>
               <a:latin typeface="宋体" panose="02010600030101010101" pitchFamily="2" charset="-122"/>
             </a:endParaRPr>
           </a:p>
@@ -16765,7 +16683,61 @@
                 </a:solidFill>
                 <a:latin typeface="宋体" panose="02010600030101010101" pitchFamily="2" charset="-122"/>
               </a:rPr>
-              <a:t>Clock::Clock(int NewH, int NewM, int NewS)</a:t>
+              <a:t>Clock::Clock(int </a:t>
+            </a:r>
+            <a:r>
+              <a:rPr lang="en-US" altLang="zh-CN" dirty="0">
+                <a:solidFill>
+                  <a:srgbClr val="0000FF"/>
+                </a:solidFill>
+                <a:latin typeface="宋体" panose="02010600030101010101" pitchFamily="2" charset="-122"/>
+              </a:rPr>
+              <a:t>h</a:t>
+            </a:r>
+            <a:r>
+              <a:rPr lang="zh-CN" altLang="en-US" dirty="0">
+                <a:solidFill>
+                  <a:srgbClr val="0000FF"/>
+                </a:solidFill>
+                <a:latin typeface="宋体" panose="02010600030101010101" pitchFamily="2" charset="-122"/>
+              </a:rPr>
+              <a:t>, int </a:t>
+            </a:r>
+            <a:r>
+              <a:rPr lang="en-US" altLang="zh-CN" dirty="0">
+                <a:solidFill>
+                  <a:srgbClr val="0000FF"/>
+                </a:solidFill>
+                <a:latin typeface="宋体" panose="02010600030101010101" pitchFamily="2" charset="-122"/>
+              </a:rPr>
+              <a:t>m</a:t>
+            </a:r>
+            <a:r>
+              <a:rPr lang="zh-CN" altLang="en-US" dirty="0">
+                <a:solidFill>
+                  <a:srgbClr val="0000FF"/>
+                </a:solidFill>
+                <a:latin typeface="宋体" panose="02010600030101010101" pitchFamily="2" charset="-122"/>
+              </a:rPr>
+              <a:t>, int </a:t>
+            </a:r>
+            <a:r>
+              <a:rPr lang="en-US" altLang="zh-CN" dirty="0">
+                <a:solidFill>
+                  <a:srgbClr val="0000FF"/>
+                </a:solidFill>
+                <a:latin typeface="宋体" panose="02010600030101010101" pitchFamily="2" charset="-122"/>
+              </a:rPr>
+              <a:t>s</a:t>
+            </a:r>
+            <a:r>
+              <a:rPr lang="zh-CN" altLang="en-US" dirty="0">
+                <a:solidFill>
+                  <a:srgbClr val="0000FF"/>
+                </a:solidFill>
+                <a:latin typeface="宋体" panose="02010600030101010101" pitchFamily="2" charset="-122"/>
+              </a:rPr>
+              <a:t>)</a:t>
             </a:r>
             <a:endParaRPr lang="zh-CN" altLang="en-US" dirty="0">
               <a:solidFill>
@@ -16814,7 +16786,25 @@
                 </a:solidFill>
                 <a:latin typeface="宋体" panose="02010600030101010101" pitchFamily="2" charset="-122"/>
               </a:rPr>
-              <a:t>Hour= NewH;</a:t>
+              <a:t>Hour= </a:t>
+            </a:r>
+            <a:r>
+              <a:rPr lang="en-US" altLang="zh-CN" dirty="0">
+                <a:solidFill>
+                  <a:srgbClr val="0000FF"/>
+                </a:solidFill>
+                <a:latin typeface="宋体" panose="02010600030101010101" pitchFamily="2" charset="-122"/>
+              </a:rPr>
+              <a:t>h</a:t>
+            </a:r>
+            <a:r>
+              <a:rPr lang="zh-CN" altLang="en-US" dirty="0">
+                <a:solidFill>
+                  <a:srgbClr val="0000FF"/>
+                </a:solidFill>
+                <a:latin typeface="宋体" panose="02010600030101010101" pitchFamily="2" charset="-122"/>
+              </a:rPr>
+              <a:t>;</a:t>
             </a:r>
             <a:endParaRPr lang="zh-CN" altLang="en-US" dirty="0">
               <a:solidFill>
@@ -16834,7 +16824,25 @@
                 </a:solidFill>
                 <a:latin typeface="宋体" panose="02010600030101010101" pitchFamily="2" charset="-122"/>
               </a:rPr>
-              <a:t>	Minute= NewM;</a:t>
+              <a:t>	Minute= </a:t>
+            </a:r>
+            <a:r>
+              <a:rPr lang="en-US" altLang="zh-CN" dirty="0">
+                <a:solidFill>
+                  <a:srgbClr val="0000FF"/>
+                </a:solidFill>
+                <a:latin typeface="宋体" panose="02010600030101010101" pitchFamily="2" charset="-122"/>
+              </a:rPr>
+              <a:t>m</a:t>
+            </a:r>
+            <a:r>
+              <a:rPr lang="zh-CN" altLang="en-US" dirty="0">
+                <a:solidFill>
+                  <a:srgbClr val="0000FF"/>
+                </a:solidFill>
+                <a:latin typeface="宋体" panose="02010600030101010101" pitchFamily="2" charset="-122"/>
+              </a:rPr>
+              <a:t>;</a:t>
             </a:r>
             <a:endParaRPr lang="zh-CN" altLang="en-US" dirty="0">
               <a:solidFill>
@@ -16854,7 +16862,25 @@
                 </a:solidFill>
                 <a:latin typeface="宋体" panose="02010600030101010101" pitchFamily="2" charset="-122"/>
               </a:rPr>
-              <a:t>	Second= NewS;</a:t>
+              <a:t>	Second= </a:t>
+            </a:r>
+            <a:r>
+              <a:rPr lang="en-US" altLang="zh-CN" dirty="0">
+                <a:solidFill>
+                  <a:srgbClr val="0000FF"/>
+                </a:solidFill>
+                <a:latin typeface="宋体" panose="02010600030101010101" pitchFamily="2" charset="-122"/>
+              </a:rPr>
+              <a:t>s</a:t>
+            </a:r>
+            <a:r>
+              <a:rPr lang="zh-CN" altLang="en-US" dirty="0">
+                <a:solidFill>
+                  <a:srgbClr val="0000FF"/>
+                </a:solidFill>
+                <a:latin typeface="宋体" panose="02010600030101010101" pitchFamily="2" charset="-122"/>
+              </a:rPr>
+              <a:t>;</a:t>
             </a:r>
             <a:endParaRPr lang="zh-CN" altLang="en-US" dirty="0">
               <a:solidFill>
@@ -16890,15 +16916,69 @@
             <a:r>
               <a:rPr lang="zh-CN" altLang="en-US" dirty="0">
                 <a:solidFill>
-                  <a:srgbClr val="FF0000"/>
+                  <a:srgbClr val="0000FF"/>
                 </a:solidFill>
                 <a:latin typeface="宋体" panose="02010600030101010101" pitchFamily="2" charset="-122"/>
               </a:rPr>
-              <a:t>Clock::Clock(int NewH, int NewM, int NewS)</a:t>
+              <a:t>Clock::Clock(int </a:t>
+            </a:r>
+            <a:r>
+              <a:rPr lang="en-US" altLang="zh-CN" dirty="0">
+                <a:solidFill>
+                  <a:srgbClr val="0000FF"/>
+                </a:solidFill>
+                <a:latin typeface="宋体" panose="02010600030101010101" pitchFamily="2" charset="-122"/>
+              </a:rPr>
+              <a:t>h</a:t>
+            </a:r>
+            <a:r>
+              <a:rPr lang="zh-CN" altLang="en-US" dirty="0">
+                <a:solidFill>
+                  <a:srgbClr val="0000FF"/>
+                </a:solidFill>
+                <a:latin typeface="宋体" panose="02010600030101010101" pitchFamily="2" charset="-122"/>
+              </a:rPr>
+              <a:t>, int </a:t>
+            </a:r>
+            <a:r>
+              <a:rPr lang="en-US" altLang="zh-CN" dirty="0">
+                <a:solidFill>
+                  <a:srgbClr val="0000FF"/>
+                </a:solidFill>
+                <a:latin typeface="宋体" panose="02010600030101010101" pitchFamily="2" charset="-122"/>
+              </a:rPr>
+              <a:t>m</a:t>
+            </a:r>
+            <a:r>
+              <a:rPr lang="zh-CN" altLang="en-US" dirty="0">
+                <a:solidFill>
+                  <a:srgbClr val="0000FF"/>
+                </a:solidFill>
+                <a:latin typeface="宋体" panose="02010600030101010101" pitchFamily="2" charset="-122"/>
+              </a:rPr>
+              <a:t>, int </a:t>
+            </a:r>
+            <a:r>
+              <a:rPr lang="en-US" altLang="zh-CN" dirty="0">
+                <a:solidFill>
+                  <a:srgbClr val="0000FF"/>
+                </a:solidFill>
+                <a:latin typeface="宋体" panose="02010600030101010101" pitchFamily="2" charset="-122"/>
+              </a:rPr>
+              <a:t>s</a:t>
+            </a:r>
+            <a:r>
+              <a:rPr lang="zh-CN" altLang="en-US" dirty="0">
+                <a:solidFill>
+                  <a:srgbClr val="0000FF"/>
+                </a:solidFill>
+                <a:latin typeface="宋体" panose="02010600030101010101" pitchFamily="2" charset="-122"/>
+              </a:rPr>
+              <a:t>)</a:t>
             </a:r>
             <a:endParaRPr lang="zh-CN" altLang="en-US" dirty="0">
               <a:solidFill>
-                <a:srgbClr val="FF0000"/>
+                <a:srgbClr val="0000FF"/>
               </a:solidFill>
               <a:latin typeface="宋体" panose="02010600030101010101" pitchFamily="2" charset="-122"/>
             </a:endParaRPr>
@@ -16910,7 +16990,7 @@
             <a:r>
               <a:rPr lang="zh-CN" altLang="en-US" dirty="0">
                 <a:solidFill>
-                  <a:srgbClr val="FF0000"/>
+                  <a:srgbClr val="0000FF"/>
                 </a:solidFill>
                 <a:latin typeface="宋体" panose="02010600030101010101" pitchFamily="2" charset="-122"/>
               </a:rPr>
@@ -16919,12 +16999,72 @@
             <a:r>
               <a:rPr lang="zh-CN" altLang="en-US" dirty="0">
                 <a:solidFill>
-                  <a:srgbClr val="FF0000"/>
+                  <a:srgbClr val="0000FF"/>
                 </a:solidFill>
                 <a:latin typeface="宋体" panose="02010600030101010101" pitchFamily="2" charset="-122"/>
                 <a:sym typeface="Arial" panose="020B0604020202020204" pitchFamily="34" charset="0"/>
               </a:rPr>
-              <a:t>Hour（NewH）,Minute（NewM）,Second（NewS）//初始化表列</a:t>
+              <a:t>Hour</a:t>
+            </a:r>
+            <a:r>
+              <a:rPr lang="en-US" altLang="zh-CN" dirty="0">
+                <a:solidFill>
+                  <a:srgbClr val="0000FF"/>
+                </a:solidFill>
+                <a:latin typeface="宋体" panose="02010600030101010101" pitchFamily="2" charset="-122"/>
+                <a:sym typeface="Arial" panose="020B0604020202020204" pitchFamily="34" charset="0"/>
+              </a:rPr>
+              <a:t>(h)</a:t>
+            </a:r>
+            <a:r>
+              <a:rPr lang="zh-CN" altLang="en-US" dirty="0">
+                <a:solidFill>
+                  <a:srgbClr val="0000FF"/>
+                </a:solidFill>
+                <a:latin typeface="宋体" panose="02010600030101010101" pitchFamily="2" charset="-122"/>
+                <a:sym typeface="Arial" panose="020B0604020202020204" pitchFamily="34" charset="0"/>
+              </a:rPr>
+              <a:t>,Minute</a:t>
+            </a:r>
+            <a:r>
+              <a:rPr lang="en-US" altLang="zh-CN" dirty="0">
+                <a:solidFill>
+                  <a:srgbClr val="0000FF"/>
+                </a:solidFill>
+                <a:latin typeface="宋体" panose="02010600030101010101" pitchFamily="2" charset="-122"/>
+                <a:sym typeface="Arial" panose="020B0604020202020204" pitchFamily="34" charset="0"/>
+              </a:rPr>
+              <a:t>(m)</a:t>
+            </a:r>
+            <a:r>
+              <a:rPr lang="zh-CN" altLang="en-US" dirty="0">
+                <a:solidFill>
+                  <a:srgbClr val="0000FF"/>
+                </a:solidFill>
+                <a:latin typeface="宋体" panose="02010600030101010101" pitchFamily="2" charset="-122"/>
+                <a:sym typeface="Arial" panose="020B0604020202020204" pitchFamily="34" charset="0"/>
+              </a:rPr>
+              <a:t>,Second</a:t>
+            </a:r>
+            <a:r>
+              <a:rPr lang="en-US" altLang="zh-CN" dirty="0">
+                <a:solidFill>
+                  <a:srgbClr val="0000FF"/>
+                </a:solidFill>
+                <a:latin typeface="宋体" panose="02010600030101010101" pitchFamily="2" charset="-122"/>
+                <a:sym typeface="Arial" panose="020B0604020202020204" pitchFamily="34" charset="0"/>
+              </a:rPr>
+              <a:t>(s)</a:t>
+            </a:r>
+            <a:r>
+              <a:rPr lang="zh-CN" altLang="en-US" dirty="0">
+                <a:solidFill>
+                  <a:srgbClr val="0000FF"/>
+                </a:solidFill>
+                <a:latin typeface="宋体" panose="02010600030101010101" pitchFamily="2" charset="-122"/>
+                <a:sym typeface="Arial" panose="020B0604020202020204" pitchFamily="34" charset="0"/>
+              </a:rPr>
+              <a:t>//初始化表列</a:t>
             </a:r>
             <a:endParaRPr lang="zh-CN" altLang="en-US" dirty="0">
               <a:solidFill>
@@ -16949,7 +17089,7 @@
               <a:t>{ cout &lt;&lt;Hour &lt;&lt; "/" &lt;&lt; Minute &lt;&lt; "/" &lt;&lt; Second; </a:t>
             </a:r>
             <a:r>
-              <a:rPr lang="zh-CN" altLang="en-US" dirty="0" smtClean="0">
+              <a:rPr lang="zh-CN" altLang="en-US" dirty="0">
                 <a:solidFill>
                   <a:srgbClr val="0000FF"/>
                 </a:solidFill>
@@ -17051,19 +17191,7 @@
             </a:pPr>
             <a:r>
               <a:rPr lang="zh-CN" altLang="en-US" dirty="0"/>
-              <a:t>如果类中</a:t>
-            </a:r>
-            <a:r>
-              <a:rPr lang="zh-CN" altLang="en-US" dirty="0">
-                <a:solidFill>
-                  <a:srgbClr val="0000FF"/>
-                </a:solidFill>
-              </a:rPr>
-              <a:t>声明了构造函数</a:t>
-            </a:r>
-            <a:r>
-              <a:rPr lang="zh-CN" altLang="en-US" dirty="0"/>
-              <a:t>，无论是否带有参数，编译器不会自动生成隐含的构造函数</a:t>
+              <a:t>如果类中声明了构造函数，无论是否带有参数，编译器不会自动生成隐含的构造函数</a:t>
             </a:r>
             <a:endParaRPr lang="en-US" altLang="zh-CN" dirty="0"/>
           </a:p>
@@ -17183,7 +17311,7 @@
         <p:spPr/>
         <p:txBody>
           <a:bodyPr>
-            <a:normAutofit fontScale="85000" lnSpcReduction="20000"/>
+            <a:normAutofit fontScale="75000" lnSpcReduction="20000"/>
           </a:bodyPr>
           <a:lstStyle/>
           <a:p>
@@ -17249,155 +17377,7 @@
                 <a:latin typeface="宋体" panose="02010600030101010101" pitchFamily="2" charset="-122"/>
                 <a:sym typeface="Arial" panose="020B0604020202020204" pitchFamily="34" charset="0"/>
               </a:rPr>
-              <a:t>	public:</a:t>
-            </a:r>
-            <a:endParaRPr lang="zh-CN" altLang="en-US" dirty="0">
-              <a:latin typeface="宋体" panose="02010600030101010101" pitchFamily="2" charset="-122"/>
-              <a:sym typeface="Arial" panose="020B0604020202020204" pitchFamily="34" charset="0"/>
-            </a:endParaRPr>
-          </a:p>
-          <a:p>
-            <a:pPr>
-              <a:lnSpc>
-                <a:spcPct val="80000"/>
-              </a:lnSpc>
-              <a:buNone/>
-            </a:pPr>
-            <a:r>
-              <a:rPr lang="zh-CN" altLang="en-US" sz="1600" dirty="0">
-                <a:solidFill>
-                  <a:srgbClr val="FFFF99"/>
-                </a:solidFill>
-                <a:latin typeface="宋体" panose="02010600030101010101" pitchFamily="2" charset="-122"/>
-                <a:sym typeface="Arial" panose="020B0604020202020204" pitchFamily="34" charset="0"/>
-              </a:rPr>
-              <a:t>		</a:t>
-            </a:r>
-            <a:r>
-              <a:rPr lang="zh-CN" altLang="en-US" dirty="0">
-                <a:solidFill>
-                  <a:srgbClr val="0000FF"/>
-                </a:solidFill>
-                <a:latin typeface="宋体" panose="02010600030101010101" pitchFamily="2" charset="-122"/>
-                <a:sym typeface="Arial" panose="020B0604020202020204" pitchFamily="34" charset="0"/>
-              </a:rPr>
-              <a:t>X();</a:t>
-            </a:r>
-            <a:endParaRPr lang="zh-CN" altLang="en-US" dirty="0">
-              <a:solidFill>
-                <a:srgbClr val="0000FF"/>
-              </a:solidFill>
-              <a:latin typeface="宋体" panose="02010600030101010101" pitchFamily="2" charset="-122"/>
-              <a:sym typeface="Arial" panose="020B0604020202020204" pitchFamily="34" charset="0"/>
-            </a:endParaRPr>
-          </a:p>
-          <a:p>
-            <a:pPr>
-              <a:lnSpc>
-                <a:spcPct val="80000"/>
-              </a:lnSpc>
-              <a:buNone/>
-            </a:pPr>
-            <a:r>
-              <a:rPr lang="zh-CN" altLang="en-US" dirty="0">
-                <a:solidFill>
-                  <a:srgbClr val="0000FF"/>
-                </a:solidFill>
-                <a:latin typeface="宋体" panose="02010600030101010101" pitchFamily="2" charset="-122"/>
-                <a:sym typeface="Arial" panose="020B0604020202020204" pitchFamily="34" charset="0"/>
-              </a:rPr>
-              <a:t>		X(int i = 0);</a:t>
-            </a:r>
-            <a:endParaRPr lang="zh-CN" altLang="en-US" dirty="0">
-              <a:solidFill>
-                <a:srgbClr val="0000FF"/>
-              </a:solidFill>
-              <a:latin typeface="宋体" panose="02010600030101010101" pitchFamily="2" charset="-122"/>
-              <a:sym typeface="Arial" panose="020B0604020202020204" pitchFamily="34" charset="0"/>
-            </a:endParaRPr>
-          </a:p>
-          <a:p>
-            <a:pPr>
-              <a:lnSpc>
-                <a:spcPct val="80000"/>
-              </a:lnSpc>
-              <a:buNone/>
-            </a:pPr>
-            <a:r>
-              <a:rPr lang="zh-CN" altLang="en-US" dirty="0">
-                <a:latin typeface="宋体" panose="02010600030101010101" pitchFamily="2" charset="-122"/>
-                <a:sym typeface="Arial" panose="020B0604020202020204" pitchFamily="34" charset="0"/>
-              </a:rPr>
-              <a:t>	...</a:t>
-            </a:r>
-            <a:endParaRPr lang="zh-CN" altLang="en-US" dirty="0">
-              <a:latin typeface="宋体" panose="02010600030101010101" pitchFamily="2" charset="-122"/>
-              <a:sym typeface="Arial" panose="020B0604020202020204" pitchFamily="34" charset="0"/>
-            </a:endParaRPr>
-          </a:p>
-          <a:p>
-            <a:pPr>
-              <a:lnSpc>
-                <a:spcPct val="80000"/>
-              </a:lnSpc>
-              <a:buNone/>
-            </a:pPr>
-            <a:r>
-              <a:rPr lang="zh-CN" altLang="en-US" dirty="0">
-                <a:latin typeface="宋体" panose="02010600030101010101" pitchFamily="2" charset="-122"/>
-                <a:sym typeface="Arial" panose="020B0604020202020204" pitchFamily="34" charset="0"/>
-              </a:rPr>
-              <a:t>};</a:t>
-            </a:r>
-            <a:endParaRPr lang="zh-CN" altLang="en-US" dirty="0">
-              <a:latin typeface="宋体" panose="02010600030101010101" pitchFamily="2" charset="-122"/>
-              <a:sym typeface="Arial" panose="020B0604020202020204" pitchFamily="34" charset="0"/>
-            </a:endParaRPr>
-          </a:p>
-          <a:p>
-            <a:pPr>
-              <a:lnSpc>
-                <a:spcPct val="80000"/>
-              </a:lnSpc>
-              <a:buNone/>
-            </a:pPr>
-            <a:endParaRPr lang="zh-CN" altLang="en-US" sz="2000" dirty="0">
-              <a:latin typeface="宋体" panose="02010600030101010101" pitchFamily="2" charset="-122"/>
-              <a:sym typeface="Arial" panose="020B0604020202020204" pitchFamily="34" charset="0"/>
-            </a:endParaRPr>
-          </a:p>
-          <a:p>
-            <a:pPr>
-              <a:lnSpc>
-                <a:spcPct val="80000"/>
-              </a:lnSpc>
-              <a:buNone/>
-            </a:pPr>
-            <a:r>
-              <a:rPr lang="zh-CN" altLang="en-US" dirty="0">
-                <a:latin typeface="宋体" panose="02010600030101010101" pitchFamily="2" charset="-122"/>
-                <a:sym typeface="Arial" panose="020B0604020202020204" pitchFamily="34" charset="0"/>
-              </a:rPr>
-              <a:t>void f()</a:t>
-            </a:r>
-            <a:endParaRPr lang="zh-CN" altLang="en-US" dirty="0">
-              <a:latin typeface="宋体" panose="02010600030101010101" pitchFamily="2" charset="-122"/>
-              <a:sym typeface="Arial" panose="020B0604020202020204" pitchFamily="34" charset="0"/>
-            </a:endParaRPr>
-          </a:p>
-          <a:p>
-            <a:pPr>
-              <a:lnSpc>
-                <a:spcPct val="80000"/>
-              </a:lnSpc>
-              <a:buNone/>
-            </a:pPr>
-            <a:r>
-              <a:rPr lang="zh-CN" altLang="en-US" dirty="0">
-                <a:latin typeface="宋体" panose="02010600030101010101" pitchFamily="2" charset="-122"/>
-                <a:sym typeface="Arial" panose="020B0604020202020204" pitchFamily="34" charset="0"/>
-              </a:rPr>
-              <a:t>{</a:t>
+              <a:t>public:</a:t>
             </a:r>
             <a:endParaRPr lang="zh-CN" altLang="en-US" dirty="0">
               <a:latin typeface="宋体" panose="02010600030101010101" pitchFamily="2" charset="-122"/>
@@ -17423,18 +17403,12 @@
             </a:r>
             <a:r>
               <a:rPr lang="zh-CN" altLang="en-US" dirty="0">
-                <a:solidFill>
-                  <a:srgbClr val="0000FF"/>
-                </a:solidFill>
                 <a:latin typeface="宋体" panose="02010600030101010101" pitchFamily="2" charset="-122"/>
                 <a:sym typeface="Arial" panose="020B0604020202020204" pitchFamily="34" charset="0"/>
               </a:rPr>
-              <a:t>X one(10);//正确</a:t>
+              <a:t>X();</a:t>
             </a:r>
             <a:endParaRPr lang="zh-CN" altLang="en-US" dirty="0">
-              <a:solidFill>
-                <a:srgbClr val="0000FF"/>
-              </a:solidFill>
               <a:latin typeface="宋体" panose="02010600030101010101" pitchFamily="2" charset="-122"/>
               <a:sym typeface="Arial" panose="020B0604020202020204" pitchFamily="34" charset="0"/>
             </a:endParaRPr>
@@ -17448,18 +17422,145 @@
             </a:pPr>
             <a:r>
               <a:rPr lang="zh-CN" altLang="en-US" dirty="0">
-                <a:solidFill>
-                  <a:srgbClr val="0000FF"/>
-                </a:solidFill>
+                <a:latin typeface="宋体" panose="02010600030101010101" pitchFamily="2" charset="-122"/>
+                <a:sym typeface="Arial" panose="020B0604020202020204" pitchFamily="34" charset="0"/>
+              </a:rPr>
+              <a:t>	X(int i = 0);</a:t>
+            </a:r>
+            <a:endParaRPr lang="zh-CN" altLang="en-US" dirty="0">
+              <a:latin typeface="宋体" panose="02010600030101010101" pitchFamily="2" charset="-122"/>
+              <a:sym typeface="Arial" panose="020B0604020202020204" pitchFamily="34" charset="0"/>
+            </a:endParaRPr>
+          </a:p>
+          <a:p>
+            <a:pPr>
+              <a:lnSpc>
+                <a:spcPct val="80000"/>
+              </a:lnSpc>
+              <a:buNone/>
+            </a:pPr>
+            <a:r>
+              <a:rPr lang="zh-CN" altLang="en-US" dirty="0">
+                <a:latin typeface="宋体" panose="02010600030101010101" pitchFamily="2" charset="-122"/>
+                <a:sym typeface="Arial" panose="020B0604020202020204" pitchFamily="34" charset="0"/>
+              </a:rPr>
+              <a:t>	...</a:t>
+            </a:r>
+            <a:endParaRPr lang="zh-CN" altLang="en-US" dirty="0">
+              <a:latin typeface="宋体" panose="02010600030101010101" pitchFamily="2" charset="-122"/>
+              <a:sym typeface="Arial" panose="020B0604020202020204" pitchFamily="34" charset="0"/>
+            </a:endParaRPr>
+          </a:p>
+          <a:p>
+            <a:pPr>
+              <a:lnSpc>
+                <a:spcPct val="80000"/>
+              </a:lnSpc>
+              <a:buNone/>
+            </a:pPr>
+            <a:r>
+              <a:rPr lang="zh-CN" altLang="en-US" dirty="0">
+                <a:latin typeface="宋体" panose="02010600030101010101" pitchFamily="2" charset="-122"/>
+                <a:sym typeface="Arial" panose="020B0604020202020204" pitchFamily="34" charset="0"/>
+              </a:rPr>
+              <a:t>};</a:t>
+            </a:r>
+            <a:endParaRPr lang="zh-CN" altLang="en-US" dirty="0">
+              <a:latin typeface="宋体" panose="02010600030101010101" pitchFamily="2" charset="-122"/>
+              <a:sym typeface="Arial" panose="020B0604020202020204" pitchFamily="34" charset="0"/>
+            </a:endParaRPr>
+          </a:p>
+          <a:p>
+            <a:pPr>
+              <a:lnSpc>
+                <a:spcPct val="80000"/>
+              </a:lnSpc>
+              <a:buNone/>
+            </a:pPr>
+            <a:endParaRPr lang="zh-CN" altLang="en-US" sz="2400" dirty="0">
+              <a:latin typeface="宋体" panose="02010600030101010101" pitchFamily="2" charset="-122"/>
+              <a:sym typeface="Arial" panose="020B0604020202020204" pitchFamily="34" charset="0"/>
+            </a:endParaRPr>
+          </a:p>
+          <a:p>
+            <a:pPr>
+              <a:lnSpc>
+                <a:spcPct val="80000"/>
+              </a:lnSpc>
+              <a:buNone/>
+            </a:pPr>
+            <a:r>
+              <a:rPr lang="zh-CN" altLang="en-US" dirty="0">
+                <a:latin typeface="宋体" panose="02010600030101010101" pitchFamily="2" charset="-122"/>
+                <a:sym typeface="Arial" panose="020B0604020202020204" pitchFamily="34" charset="0"/>
+              </a:rPr>
+              <a:t>void f()</a:t>
+            </a:r>
+            <a:endParaRPr lang="zh-CN" altLang="en-US" dirty="0">
+              <a:latin typeface="宋体" panose="02010600030101010101" pitchFamily="2" charset="-122"/>
+              <a:sym typeface="Arial" panose="020B0604020202020204" pitchFamily="34" charset="0"/>
+            </a:endParaRPr>
+          </a:p>
+          <a:p>
+            <a:pPr>
+              <a:lnSpc>
+                <a:spcPct val="80000"/>
+              </a:lnSpc>
+              <a:buNone/>
+            </a:pPr>
+            <a:r>
+              <a:rPr lang="zh-CN" altLang="en-US" dirty="0">
+                <a:latin typeface="宋体" panose="02010600030101010101" pitchFamily="2" charset="-122"/>
+                <a:sym typeface="Arial" panose="020B0604020202020204" pitchFamily="34" charset="0"/>
+              </a:rPr>
+              <a:t>{</a:t>
+            </a:r>
+            <a:endParaRPr lang="zh-CN" altLang="en-US" dirty="0">
+              <a:latin typeface="宋体" panose="02010600030101010101" pitchFamily="2" charset="-122"/>
+              <a:sym typeface="Arial" panose="020B0604020202020204" pitchFamily="34" charset="0"/>
+            </a:endParaRPr>
+          </a:p>
+          <a:p>
+            <a:pPr>
+              <a:lnSpc>
+                <a:spcPct val="80000"/>
+              </a:lnSpc>
+              <a:buNone/>
+            </a:pPr>
+            <a:r>
+              <a:rPr lang="zh-CN" altLang="en-US" sz="2400" dirty="0">
+                <a:latin typeface="宋体" panose="02010600030101010101" pitchFamily="2" charset="-122"/>
+                <a:sym typeface="Arial" panose="020B0604020202020204" pitchFamily="34" charset="0"/>
+              </a:rPr>
+              <a:t>	</a:t>
+            </a:r>
+            <a:r>
+              <a:rPr lang="zh-CN" altLang="en-US" dirty="0">
+                <a:latin typeface="宋体" panose="02010600030101010101" pitchFamily="2" charset="-122"/>
+                <a:sym typeface="Arial" panose="020B0604020202020204" pitchFamily="34" charset="0"/>
+              </a:rPr>
+              <a:t>X one(10);//正确</a:t>
+            </a:r>
+            <a:endParaRPr lang="zh-CN" altLang="en-US" dirty="0">
+              <a:latin typeface="宋体" panose="02010600030101010101" pitchFamily="2" charset="-122"/>
+              <a:sym typeface="Arial" panose="020B0604020202020204" pitchFamily="34" charset="0"/>
+            </a:endParaRPr>
+          </a:p>
+          <a:p>
+            <a:pPr>
+              <a:lnSpc>
+                <a:spcPct val="80000"/>
+              </a:lnSpc>
+              <a:buNone/>
+            </a:pPr>
+            <a:r>
+              <a:rPr lang="zh-CN" altLang="en-US" dirty="0">
                 <a:latin typeface="宋体" panose="02010600030101010101" pitchFamily="2" charset="-122"/>
                 <a:sym typeface="Arial" panose="020B0604020202020204" pitchFamily="34" charset="0"/>
               </a:rPr>
               <a:t>	X two;//错误</a:t>
             </a:r>
             <a:endParaRPr lang="zh-CN" altLang="en-US" dirty="0">
-              <a:solidFill>
-                <a:srgbClr val="0000FF"/>
-              </a:solidFill>
               <a:latin typeface="宋体" panose="02010600030101010101" pitchFamily="2" charset="-122"/>
               <a:sym typeface="Arial" panose="020B0604020202020204" pitchFamily="34" charset="0"/>
             </a:endParaRPr>
@@ -17553,7 +17654,7 @@
         <p:spPr/>
         <p:txBody>
           <a:bodyPr>
-            <a:normAutofit fontScale="77500" lnSpcReduction="20000"/>
+            <a:normAutofit fontScale="67500" lnSpcReduction="20000"/>
           </a:bodyPr>
           <a:lstStyle/>
           <a:p>
@@ -17576,60 +17677,15 @@
               <a:rPr lang="zh-CN" altLang="en-US" dirty="0">
                 <a:latin typeface="宋体" panose="02010600030101010101" pitchFamily="2" charset="-122"/>
               </a:rPr>
-              <a:t>是用已经</a:t>
-            </a:r>
-            <a:r>
-              <a:rPr lang="zh-CN" altLang="en-US" dirty="0">
-                <a:solidFill>
-                  <a:srgbClr val="0000FF"/>
-                </a:solidFill>
-                <a:latin typeface="宋体" panose="02010600030101010101" pitchFamily="2" charset="-122"/>
-              </a:rPr>
-              <a:t>存在的</a:t>
-            </a:r>
-            <a:r>
-              <a:rPr lang="zh-CN" altLang="en-US" dirty="0" smtClean="0">
-                <a:solidFill>
-                  <a:srgbClr val="0000FF"/>
-                </a:solidFill>
-                <a:latin typeface="宋体" panose="02010600030101010101" pitchFamily="2" charset="-122"/>
-              </a:rPr>
-              <a:t>对象</a:t>
-            </a:r>
-            <a:r>
-              <a:rPr lang="zh-CN" altLang="en-US" dirty="0" smtClean="0">
-                <a:latin typeface="宋体" panose="02010600030101010101" pitchFamily="2" charset="-122"/>
-              </a:rPr>
-              <a:t>去</a:t>
-            </a:r>
-            <a:r>
-              <a:rPr lang="zh-CN" altLang="en-US" dirty="0">
-                <a:solidFill>
-                  <a:srgbClr val="FF0000"/>
-                </a:solidFill>
-                <a:latin typeface="宋体" panose="02010600030101010101" pitchFamily="2" charset="-122"/>
-              </a:rPr>
-              <a:t>初始化</a:t>
-            </a:r>
-            <a:r>
-              <a:rPr lang="zh-CN" altLang="en-US" dirty="0">
-                <a:solidFill>
-                  <a:srgbClr val="0000FF"/>
-                </a:solidFill>
-                <a:latin typeface="宋体" panose="02010600030101010101" pitchFamily="2" charset="-122"/>
-              </a:rPr>
-              <a:t>同类的一个新对象</a:t>
+              <a:t>是用已经存在的对象去初始化</a:t>
             </a:r>
             <a:r>
               <a:rPr lang="zh-CN" altLang="en-US" dirty="0">
                 <a:latin typeface="宋体" panose="02010600030101010101" pitchFamily="2" charset="-122"/>
               </a:rPr>
-              <a:t>。</a:t>
-            </a:r>
-            <a:endParaRPr lang="en-US" altLang="zh-CN" dirty="0">
-              <a:solidFill>
-                <a:srgbClr val="0000FF"/>
-              </a:solidFill>
+              <a:t>同类的一个新对象。</a:t>
+            </a:r>
+            <a:endParaRPr lang="zh-CN" altLang="en-US" dirty="0">
               <a:latin typeface="宋体" panose="02010600030101010101" pitchFamily="2" charset="-122"/>
             </a:endParaRPr>
           </a:p>
@@ -17891,50 +17947,10 @@
             </a:pPr>
             <a:r>
               <a:rPr lang="zh-CN" altLang="en-US" dirty="0"/>
-              <a:t>这个构造函数执行的功能是：用</a:t>
-            </a:r>
-            <a:r>
-              <a:rPr lang="zh-CN" altLang="en-US" dirty="0">
-                <a:solidFill>
-                  <a:srgbClr val="0000FF"/>
-                </a:solidFill>
-              </a:rPr>
-              <a:t>作为初始值的对象</a:t>
+              <a:t>这个构造函数执行的功能是：用作为初始值的对象的每个数据成员的值，初始化将要建立的对象的</a:t>
             </a:r>
             <a:r>
               <a:rPr lang="zh-CN" altLang="en-US" dirty="0"/>
-              <a:t>的每个</a:t>
-            </a:r>
-            <a:r>
-              <a:rPr lang="zh-CN" altLang="en-US" dirty="0">
-                <a:solidFill>
-                  <a:srgbClr val="0000FF"/>
-                </a:solidFill>
-              </a:rPr>
-              <a:t>数据成员</a:t>
-            </a:r>
-            <a:r>
-              <a:rPr lang="zh-CN" altLang="en-US" dirty="0"/>
-              <a:t>的值，初始化</a:t>
-            </a:r>
-            <a:r>
-              <a:rPr lang="zh-CN" altLang="en-US" dirty="0">
-                <a:solidFill>
-                  <a:srgbClr val="0000FF"/>
-                </a:solidFill>
-              </a:rPr>
-              <a:t>将要建立的对象</a:t>
-            </a:r>
-            <a:r>
-              <a:rPr lang="zh-CN" altLang="en-US" dirty="0"/>
-              <a:t>的</a:t>
-            </a:r>
-            <a:r>
-              <a:rPr lang="zh-CN" altLang="en-US" dirty="0">
-                <a:solidFill>
-                  <a:srgbClr val="0000FF"/>
-                </a:solidFill>
-              </a:rPr>
               <a:t>对应数据成员</a:t>
             </a:r>
             <a:endParaRPr lang="zh-CN" altLang="en-US" dirty="0"/>
@@ -19555,48 +19571,10 @@
         </p:nvSpPr>
         <p:spPr/>
         <p:txBody>
-          <a:bodyPr/>
+          <a:bodyPr>
+            <a:normAutofit lnSpcReduction="10000"/>
+          </a:bodyPr>
           <a:lstStyle/>
-          <a:p>
-            <a:pPr>
-              <a:lnSpc>
-                <a:spcPct val="105000"/>
-              </a:lnSpc>
-              <a:defRPr/>
-            </a:pPr>
-            <a:r>
-              <a:rPr lang="zh-CN" altLang="en-US" dirty="0"/>
-              <a:t>构造函数执行顺序：</a:t>
-            </a:r>
-            <a:endParaRPr lang="en-US" altLang="zh-CN" dirty="0"/>
-          </a:p>
-          <a:p>
-            <a:pPr marL="514350" indent="-514350">
-              <a:lnSpc>
-                <a:spcPct val="105000"/>
-              </a:lnSpc>
-              <a:buFont typeface="Wingdings" panose="05000000000000000000" pitchFamily="2" charset="2"/>
-              <a:buAutoNum type="arabicPeriod"/>
-              <a:defRPr/>
-            </a:pPr>
-            <a:r>
-              <a:rPr lang="zh-CN" altLang="en-US" dirty="0"/>
-              <a:t>先调用内嵌对象的构造函数（</a:t>
-            </a:r>
-            <a:r>
-              <a:rPr lang="zh-CN" altLang="en-US" dirty="0">
-                <a:solidFill>
-                  <a:srgbClr val="0000FF"/>
-                </a:solidFill>
-              </a:rPr>
-              <a:t>按内嵌  </a:t>
-            </a:r>
-            <a:endParaRPr lang="en-US" altLang="zh-CN" dirty="0">
-              <a:solidFill>
-                <a:srgbClr val="0000FF"/>
-              </a:solidFill>
-            </a:endParaRPr>
-          </a:p>
           <a:p>
             <a:pPr marL="0" indent="0">
               <a:lnSpc>
@@ -19606,26 +19584,18 @@
               <a:defRPr/>
             </a:pPr>
             <a:r>
-              <a:rPr lang="en-US" altLang="zh-CN" dirty="0">
-                <a:solidFill>
-                  <a:srgbClr val="0000FF"/>
-                </a:solidFill>
+              <a:rPr lang="zh-CN" altLang="en-US" dirty="0"/>
+              <a:t>构造</a:t>
+            </a:r>
+            <a:r>
+              <a:rPr lang="zh-CN" altLang="en-US" dirty="0">
+                <a:sym typeface="+mn-ea"/>
               </a:rPr>
-              <a:t>     </a:t>
-            </a:r>
-            <a:r>
-              <a:rPr lang="zh-CN" altLang="en-US" dirty="0">
-                <a:solidFill>
-                  <a:srgbClr val="0000FF"/>
-                </a:solidFill>
-              </a:rPr>
-              <a:t>时的声明顺序</a:t>
-            </a:r>
-            <a:r>
-              <a:rPr lang="zh-CN" altLang="en-US" dirty="0"/>
-              <a:t>，先声明者先构造）</a:t>
-            </a:r>
-            <a:endParaRPr lang="en-US" altLang="zh-CN" dirty="0"/>
+              <a:t>函数执行顺序：</a:t>
+            </a:r>
+            <a:endParaRPr lang="zh-CN" altLang="en-US" dirty="0">
+              <a:sym typeface="+mn-ea"/>
+            </a:endParaRPr>
           </a:p>
           <a:p>
             <a:pPr marL="0" indent="0">
@@ -19636,14 +19606,38 @@
               <a:defRPr/>
             </a:pPr>
             <a:r>
-              <a:rPr lang="en-US" altLang="zh-CN" dirty="0"/>
-              <a:t>2. </a:t>
-            </a:r>
-            <a:r>
-              <a:rPr lang="zh-CN" altLang="en-US" dirty="0"/>
-              <a:t>然后执行本类的构造函数的函数体。</a:t>
-            </a:r>
-            <a:endParaRPr lang="en-US" altLang="zh-CN" dirty="0"/>
+              <a:rPr lang="en-US" altLang="zh-CN" dirty="0">
+                <a:sym typeface="+mn-ea"/>
+              </a:rPr>
+              <a:t>1. </a:t>
+            </a:r>
+            <a:r>
+              <a:rPr lang="zh-CN" altLang="en-US" dirty="0">
+                <a:sym typeface="+mn-ea"/>
+              </a:rPr>
+              <a:t>先调用内嵌对象的构造函数</a:t>
+            </a:r>
+            <a:r>
+              <a:rPr lang="en-US" altLang="zh-CN" dirty="0">
+                <a:sym typeface="+mn-ea"/>
+              </a:rPr>
+              <a:t>(</a:t>
+            </a:r>
+            <a:r>
+              <a:rPr lang="zh-CN" altLang="en-US" dirty="0">
+                <a:sym typeface="+mn-ea"/>
+              </a:rPr>
+              <a:t>按内嵌时的声明顺序，先声明者先构造</a:t>
+            </a:r>
+            <a:r>
+              <a:rPr lang="en-US" altLang="zh-CN" dirty="0">
+                <a:sym typeface="+mn-ea"/>
+              </a:rPr>
+              <a:t>)</a:t>
+            </a:r>
+            <a:endParaRPr lang="en-US" altLang="zh-CN" dirty="0">
+              <a:sym typeface="+mn-ea"/>
+            </a:endParaRPr>
           </a:p>
           <a:p>
             <a:pPr marL="0" indent="0">
@@ -19653,7 +19647,13 @@
               <a:buNone/>
               <a:defRPr/>
             </a:pPr>
-            <a:endParaRPr lang="en-US" altLang="zh-CN" dirty="0"/>
+            <a:r>
+              <a:rPr lang="zh-CN" altLang="en-US" dirty="0">
+                <a:sym typeface="+mn-ea"/>
+              </a:rPr>
+              <a:t>2. 然后执行本类的构造函数的函数体。</a:t>
+            </a:r>
+            <a:endParaRPr lang="zh-CN" altLang="en-US" dirty="0"/>
           </a:p>
           <a:p>
             <a:pPr marL="0" indent="0">
@@ -19668,7 +19668,7 @@
               <a:t>注意：析构函数的调用顺序</a:t>
             </a:r>
             <a:r>
-              <a:rPr lang="zh-CN" altLang="en-US" dirty="0" smtClean="0"/>
+              <a:rPr lang="zh-CN" altLang="en-US" dirty="0"/>
               <a:t>相反</a:t>
             </a:r>
             <a:endParaRPr lang="zh-CN" altLang="en-US" dirty="0"/>
@@ -39031,140 +39031,37 @@
           <a:bodyPr/>
           <a:lstStyle/>
           <a:p>
+            <a:pPr algn="l">
+              <a:buSzTx/>
+            </a:pPr>
             <a:r>
               <a:rPr lang="zh-CN" altLang="en-US" dirty="0"/>
-              <a:t>类是具有</a:t>
-            </a:r>
-            <a:r>
-              <a:rPr lang="zh-CN" altLang="en-US" dirty="0">
-                <a:solidFill>
-                  <a:srgbClr val="0000FF"/>
-                </a:solidFill>
-              </a:rPr>
-              <a:t>相同属性</a:t>
+              <a:t>类是具有相同属性和行为的一组对象的集合，它为属于该类的全部对象提供了统一的抽象描述，其内部包括属性和行为两个主要</a:t>
             </a:r>
             <a:r>
               <a:rPr lang="zh-CN" altLang="en-US" dirty="0"/>
-              <a:t>和</a:t>
-            </a:r>
-            <a:r>
-              <a:rPr lang="zh-CN" altLang="en-US" dirty="0">
-                <a:solidFill>
-                  <a:srgbClr val="0000FF"/>
-                </a:solidFill>
-              </a:rPr>
-              <a:t>行为</a:t>
-            </a:r>
+              <a:t>部分</a:t>
+            </a:r>
+            <a:endParaRPr lang="zh-CN" altLang="en-US" dirty="0"/>
+          </a:p>
+          <a:p>
+            <a:pPr algn="l">
+              <a:buSzTx/>
+            </a:pPr>
             <a:r>
               <a:rPr lang="zh-CN" altLang="en-US" dirty="0"/>
-              <a:t>的一组对象的集合，它为属于该类的全部对象提供了</a:t>
-            </a:r>
-            <a:r>
-              <a:rPr lang="zh-CN" altLang="en-US" dirty="0">
-                <a:solidFill>
-                  <a:srgbClr val="0000FF"/>
-                </a:solidFill>
-              </a:rPr>
-              <a:t>统一</a:t>
+              <a:t>利用类可以实现数据的封装、隐藏、继承与</a:t>
             </a:r>
             <a:r>
               <a:rPr lang="zh-CN" altLang="en-US" dirty="0"/>
-              <a:t>的</a:t>
-            </a:r>
-            <a:r>
-              <a:rPr lang="zh-CN" altLang="en-US" dirty="0">
-                <a:solidFill>
-                  <a:srgbClr val="0000FF"/>
-                </a:solidFill>
-              </a:rPr>
-              <a:t>抽象描述</a:t>
-            </a:r>
-            <a:r>
-              <a:rPr lang="zh-CN" altLang="en-US" dirty="0"/>
-              <a:t>，其内部包括</a:t>
-            </a:r>
-            <a:r>
-              <a:rPr lang="zh-CN" altLang="en-US" dirty="0">
-                <a:solidFill>
-                  <a:srgbClr val="0000FF"/>
-                </a:solidFill>
-              </a:rPr>
-              <a:t>属性</a:t>
-            </a:r>
-            <a:r>
-              <a:rPr lang="zh-CN" altLang="en-US" dirty="0"/>
-              <a:t>和</a:t>
-            </a:r>
-            <a:r>
-              <a:rPr lang="zh-CN" altLang="en-US" dirty="0">
-                <a:solidFill>
-                  <a:srgbClr val="0000FF"/>
-                </a:solidFill>
-              </a:rPr>
-              <a:t>行为</a:t>
-            </a:r>
-            <a:r>
-              <a:rPr lang="zh-CN" altLang="en-US" dirty="0"/>
-              <a:t>两个主要</a:t>
-            </a:r>
-            <a:r>
-              <a:rPr lang="zh-CN" altLang="en-US" dirty="0" smtClean="0"/>
-              <a:t>部分</a:t>
+              <a:t>派生</a:t>
             </a:r>
             <a:endParaRPr lang="zh-CN" altLang="en-US" dirty="0"/>
           </a:p>
           <a:p>
-            <a:r>
-              <a:rPr lang="zh-CN" altLang="en-US" dirty="0"/>
-              <a:t>利用类可以实现数据的</a:t>
-            </a:r>
-            <a:r>
-              <a:rPr lang="zh-CN" altLang="en-US" dirty="0">
-                <a:solidFill>
-                  <a:srgbClr val="0000FF"/>
-                </a:solidFill>
-              </a:rPr>
-              <a:t>封装</a:t>
-            </a:r>
-            <a:r>
-              <a:rPr lang="zh-CN" altLang="en-US" dirty="0"/>
-              <a:t>、</a:t>
-            </a:r>
-            <a:r>
-              <a:rPr lang="zh-CN" altLang="en-US" dirty="0">
-                <a:solidFill>
-                  <a:srgbClr val="0000FF"/>
-                </a:solidFill>
-              </a:rPr>
-              <a:t>隐藏</a:t>
-            </a:r>
-            <a:r>
-              <a:rPr lang="zh-CN" altLang="en-US" dirty="0"/>
-              <a:t>、</a:t>
-            </a:r>
-            <a:r>
-              <a:rPr lang="zh-CN" altLang="en-US" dirty="0">
-                <a:solidFill>
-                  <a:srgbClr val="0000FF"/>
-                </a:solidFill>
-              </a:rPr>
-              <a:t>继承</a:t>
-            </a:r>
-            <a:r>
-              <a:rPr lang="zh-CN" altLang="en-US" dirty="0"/>
-              <a:t>与</a:t>
-            </a:r>
-            <a:r>
-              <a:rPr lang="zh-CN" altLang="en-US" dirty="0" smtClean="0">
-                <a:solidFill>
-                  <a:srgbClr val="0000FF"/>
-                </a:solidFill>
-              </a:rPr>
-              <a:t>派生</a:t>
-            </a:r>
-            <a:endParaRPr lang="zh-CN" altLang="en-US" dirty="0"/>
-          </a:p>
-          <a:p>
+            <a:pPr algn="l">
+              <a:buSzTx/>
+            </a:pPr>
             <a:r>
               <a:rPr lang="zh-CN" altLang="en-US" dirty="0"/>
               <a:t>利用类易于编写大型复杂程序，其模块化程度比</a:t>
@@ -39568,6 +39465,13 @@
     <a:masterClrMapping/>
   </p:clrMapOvr>
 </p:sld>
+</file>
+
+<file path=ppt/tags/tag1.xml><?xml version="1.0" encoding="utf-8"?>
+<p:tagLst xmlns:p="http://schemas.openxmlformats.org/presentationml/2006/main">
+  <p:tag name="KSO_WPP_MARK_KEY" val="8df3d1a0-e22d-4447-aaa2-764b2058ed6b"/>
+  <p:tag name="COMMONDATA" val="eyJoZGlkIjoiMDMyMjIyNjE4MmRiMDdhNzI5MzNiYzI0ZjQ1MDRlMGYifQ=="/>
+</p:tagLst>
 </file>
 
 <file path=ppt/theme/theme1.xml><?xml version="1.0" encoding="utf-8"?>
